--- a/Pseudo labeling with Coreset 초안.pptx
+++ b/Pseudo labeling with Coreset 초안.pptx
@@ -246,7 +246,7 @@
           <a:p>
             <a:fld id="{6BE1C6E6-C9EF-4AEA-9A59-A9694720BB3A}" type="datetimeFigureOut">
               <a:rPr lang="ko-KR" altLang="en-US" smtClean="0"/>
-              <a:t>2022-11-06</a:t>
+              <a:t>2022-11-15</a:t>
             </a:fld>
             <a:endParaRPr lang="ko-KR" altLang="en-US"/>
           </a:p>
@@ -557,18 +557,6 @@
           <a:bodyPr/>
           <a:lstStyle/>
           <a:p>
-            <a:r>
-              <a:rPr lang="en-US" altLang="ko-KR" dirty="0"/>
-              <a:t>Consistency </a:t>
-            </a:r>
-            <a:r>
-              <a:rPr lang="ko-KR" altLang="en-US" dirty="0"/>
-              <a:t>방법과 연계하여 사용할 수 있다는 점에서 장점을 가진다</a:t>
-            </a:r>
-            <a:r>
-              <a:rPr lang="en-US" altLang="ko-KR" dirty="0"/>
-              <a:t>. </a:t>
-            </a:r>
             <a:endParaRPr lang="ko-KR" altLang="en-US" dirty="0"/>
           </a:p>
         </p:txBody>
@@ -590,7 +578,7 @@
           <a:p>
             <a:fld id="{DBCD6B1E-B667-4EA5-A6E9-59B9296CD869}" type="slidenum">
               <a:rPr lang="ko-KR" altLang="en-US" smtClean="0"/>
-              <a:t>7</a:t>
+              <a:t>5</a:t>
             </a:fld>
             <a:endParaRPr lang="ko-KR" altLang="en-US"/>
           </a:p>
@@ -599,7 +587,7 @@
     </p:spTree>
     <p:extLst>
       <p:ext uri="{BB962C8B-B14F-4D97-AF65-F5344CB8AC3E}">
-        <p14:creationId xmlns:p14="http://schemas.microsoft.com/office/powerpoint/2010/main" val="3183418892"/>
+        <p14:creationId xmlns:p14="http://schemas.microsoft.com/office/powerpoint/2010/main" val="3009547712"/>
       </p:ext>
     </p:extLst>
   </p:cSld>
@@ -610,6 +598,90 @@
 </file>
 
 <file path=ppt/notesSlides/notesSlide10.xml><?xml version="1.0" encoding="utf-8"?>
+<p:notes xmlns:a="http://schemas.openxmlformats.org/drawingml/2006/main" xmlns:r="http://schemas.openxmlformats.org/officeDocument/2006/relationships" xmlns:p="http://schemas.openxmlformats.org/presentationml/2006/main">
+  <p:cSld>
+    <p:spTree>
+      <p:nvGrpSpPr>
+        <p:cNvPr id="1" name=""/>
+        <p:cNvGrpSpPr/>
+        <p:nvPr/>
+      </p:nvGrpSpPr>
+      <p:grpSpPr>
+        <a:xfrm>
+          <a:off x="0" y="0"/>
+          <a:ext cx="0" cy="0"/>
+          <a:chOff x="0" y="0"/>
+          <a:chExt cx="0" cy="0"/>
+        </a:xfrm>
+      </p:grpSpPr>
+      <p:sp>
+        <p:nvSpPr>
+          <p:cNvPr id="2" name="슬라이드 이미지 개체 틀 1"/>
+          <p:cNvSpPr>
+            <a:spLocks noGrp="1" noRot="1" noChangeAspect="1"/>
+          </p:cNvSpPr>
+          <p:nvPr>
+            <p:ph type="sldImg"/>
+          </p:nvPr>
+        </p:nvSpPr>
+        <p:spPr/>
+      </p:sp>
+      <p:sp>
+        <p:nvSpPr>
+          <p:cNvPr id="3" name="슬라이드 노트 개체 틀 2"/>
+          <p:cNvSpPr>
+            <a:spLocks noGrp="1"/>
+          </p:cNvSpPr>
+          <p:nvPr>
+            <p:ph type="body" idx="1"/>
+          </p:nvPr>
+        </p:nvSpPr>
+        <p:spPr/>
+        <p:txBody>
+          <a:bodyPr/>
+          <a:lstStyle/>
+          <a:p>
+            <a:endParaRPr lang="ko-KR" altLang="en-US" dirty="0"/>
+          </a:p>
+        </p:txBody>
+      </p:sp>
+      <p:sp>
+        <p:nvSpPr>
+          <p:cNvPr id="4" name="슬라이드 번호 개체 틀 3"/>
+          <p:cNvSpPr>
+            <a:spLocks noGrp="1"/>
+          </p:cNvSpPr>
+          <p:nvPr>
+            <p:ph type="sldNum" sz="quarter" idx="5"/>
+          </p:nvPr>
+        </p:nvSpPr>
+        <p:spPr/>
+        <p:txBody>
+          <a:bodyPr/>
+          <a:lstStyle/>
+          <a:p>
+            <a:fld id="{DBCD6B1E-B667-4EA5-A6E9-59B9296CD869}" type="slidenum">
+              <a:rPr lang="ko-KR" altLang="en-US" smtClean="0"/>
+              <a:t>19</a:t>
+            </a:fld>
+            <a:endParaRPr lang="ko-KR" altLang="en-US"/>
+          </a:p>
+        </p:txBody>
+      </p:sp>
+    </p:spTree>
+    <p:extLst>
+      <p:ext uri="{BB962C8B-B14F-4D97-AF65-F5344CB8AC3E}">
+        <p14:creationId xmlns:p14="http://schemas.microsoft.com/office/powerpoint/2010/main" val="498498019"/>
+      </p:ext>
+    </p:extLst>
+  </p:cSld>
+  <p:clrMapOvr>
+    <a:masterClrMapping/>
+  </p:clrMapOvr>
+</p:notes>
+</file>
+
+<file path=ppt/notesSlides/notesSlide11.xml><?xml version="1.0" encoding="utf-8"?>
 <p:notes xmlns:a="http://schemas.openxmlformats.org/drawingml/2006/main" xmlns:r="http://schemas.openxmlformats.org/officeDocument/2006/relationships" xmlns:p="http://schemas.openxmlformats.org/presentationml/2006/main">
   <p:cSld>
     <p:spTree>
@@ -693,7 +765,7 @@
 </p:notes>
 </file>
 
-<file path=ppt/notesSlides/notesSlide11.xml><?xml version="1.0" encoding="utf-8"?>
+<file path=ppt/notesSlides/notesSlide12.xml><?xml version="1.0" encoding="utf-8"?>
 <p:notes xmlns:a="http://schemas.openxmlformats.org/drawingml/2006/main" xmlns:r="http://schemas.openxmlformats.org/officeDocument/2006/relationships" xmlns:p="http://schemas.openxmlformats.org/presentationml/2006/main">
   <p:cSld>
     <p:spTree>
@@ -777,7 +849,7 @@
 </p:notes>
 </file>
 
-<file path=ppt/notesSlides/notesSlide12.xml><?xml version="1.0" encoding="utf-8"?>
+<file path=ppt/notesSlides/notesSlide13.xml><?xml version="1.0" encoding="utf-8"?>
 <p:notes xmlns:a="http://schemas.openxmlformats.org/drawingml/2006/main" xmlns:r="http://schemas.openxmlformats.org/officeDocument/2006/relationships" xmlns:p="http://schemas.openxmlformats.org/presentationml/2006/main">
   <p:cSld>
     <p:spTree>
@@ -861,7 +933,7 @@
 </p:notes>
 </file>
 
-<file path=ppt/notesSlides/notesSlide13.xml><?xml version="1.0" encoding="utf-8"?>
+<file path=ppt/notesSlides/notesSlide14.xml><?xml version="1.0" encoding="utf-8"?>
 <p:notes xmlns:a="http://schemas.openxmlformats.org/drawingml/2006/main" xmlns:r="http://schemas.openxmlformats.org/officeDocument/2006/relationships" xmlns:p="http://schemas.openxmlformats.org/presentationml/2006/main">
   <p:cSld>
     <p:spTree>
@@ -945,7 +1017,7 @@
 </p:notes>
 </file>
 
-<file path=ppt/notesSlides/notesSlide14.xml><?xml version="1.0" encoding="utf-8"?>
+<file path=ppt/notesSlides/notesSlide15.xml><?xml version="1.0" encoding="utf-8"?>
 <p:notes xmlns:a="http://schemas.openxmlformats.org/drawingml/2006/main" xmlns:r="http://schemas.openxmlformats.org/officeDocument/2006/relationships" xmlns:p="http://schemas.openxmlformats.org/presentationml/2006/main">
   <p:cSld>
     <p:spTree>
@@ -1063,7 +1135,7 @@
 </p:notes>
 </file>
 
-<file path=ppt/notesSlides/notesSlide15.xml><?xml version="1.0" encoding="utf-8"?>
+<file path=ppt/notesSlides/notesSlide16.xml><?xml version="1.0" encoding="utf-8"?>
 <p:notes xmlns:a="http://schemas.openxmlformats.org/drawingml/2006/main" xmlns:r="http://schemas.openxmlformats.org/officeDocument/2006/relationships" xmlns:p="http://schemas.openxmlformats.org/presentationml/2006/main">
   <p:cSld>
     <p:spTree>
@@ -1147,7 +1219,7 @@
 </p:notes>
 </file>
 
-<file path=ppt/notesSlides/notesSlide16.xml><?xml version="1.0" encoding="utf-8"?>
+<file path=ppt/notesSlides/notesSlide17.xml><?xml version="1.0" encoding="utf-8"?>
 <p:notes xmlns:a="http://schemas.openxmlformats.org/drawingml/2006/main" xmlns:r="http://schemas.openxmlformats.org/officeDocument/2006/relationships" xmlns:p="http://schemas.openxmlformats.org/presentationml/2006/main">
   <p:cSld>
     <p:spTree>
@@ -1231,7 +1303,7 @@
 </p:notes>
 </file>
 
-<file path=ppt/notesSlides/notesSlide17.xml><?xml version="1.0" encoding="utf-8"?>
+<file path=ppt/notesSlides/notesSlide18.xml><?xml version="1.0" encoding="utf-8"?>
 <p:notes xmlns:a="http://schemas.openxmlformats.org/drawingml/2006/main" xmlns:r="http://schemas.openxmlformats.org/officeDocument/2006/relationships" xmlns:p="http://schemas.openxmlformats.org/presentationml/2006/main">
   <p:cSld>
     <p:spTree>
@@ -1315,7 +1387,7 @@
 </p:notes>
 </file>
 
-<file path=ppt/notesSlides/notesSlide18.xml><?xml version="1.0" encoding="utf-8"?>
+<file path=ppt/notesSlides/notesSlide19.xml><?xml version="1.0" encoding="utf-8"?>
 <p:notes xmlns:a="http://schemas.openxmlformats.org/drawingml/2006/main" xmlns:r="http://schemas.openxmlformats.org/officeDocument/2006/relationships" xmlns:p="http://schemas.openxmlformats.org/presentationml/2006/main">
   <p:cSld>
     <p:spTree>
@@ -1399,7 +1471,103 @@
 </p:notes>
 </file>
 
-<file path=ppt/notesSlides/notesSlide19.xml><?xml version="1.0" encoding="utf-8"?>
+<file path=ppt/notesSlides/notesSlide2.xml><?xml version="1.0" encoding="utf-8"?>
+<p:notes xmlns:a="http://schemas.openxmlformats.org/drawingml/2006/main" xmlns:r="http://schemas.openxmlformats.org/officeDocument/2006/relationships" xmlns:p="http://schemas.openxmlformats.org/presentationml/2006/main">
+  <p:cSld>
+    <p:spTree>
+      <p:nvGrpSpPr>
+        <p:cNvPr id="1" name=""/>
+        <p:cNvGrpSpPr/>
+        <p:nvPr/>
+      </p:nvGrpSpPr>
+      <p:grpSpPr>
+        <a:xfrm>
+          <a:off x="0" y="0"/>
+          <a:ext cx="0" cy="0"/>
+          <a:chOff x="0" y="0"/>
+          <a:chExt cx="0" cy="0"/>
+        </a:xfrm>
+      </p:grpSpPr>
+      <p:sp>
+        <p:nvSpPr>
+          <p:cNvPr id="2" name="슬라이드 이미지 개체 틀 1"/>
+          <p:cNvSpPr>
+            <a:spLocks noGrp="1" noRot="1" noChangeAspect="1"/>
+          </p:cNvSpPr>
+          <p:nvPr>
+            <p:ph type="sldImg"/>
+          </p:nvPr>
+        </p:nvSpPr>
+        <p:spPr/>
+      </p:sp>
+      <p:sp>
+        <p:nvSpPr>
+          <p:cNvPr id="3" name="슬라이드 노트 개체 틀 2"/>
+          <p:cNvSpPr>
+            <a:spLocks noGrp="1"/>
+          </p:cNvSpPr>
+          <p:nvPr>
+            <p:ph type="body" idx="1"/>
+          </p:nvPr>
+        </p:nvSpPr>
+        <p:spPr/>
+        <p:txBody>
+          <a:bodyPr/>
+          <a:lstStyle/>
+          <a:p>
+            <a:r>
+              <a:rPr lang="en-US" altLang="ko-KR" dirty="0"/>
+              <a:t>Consistency </a:t>
+            </a:r>
+            <a:r>
+              <a:rPr lang="ko-KR" altLang="en-US" dirty="0"/>
+              <a:t>방법과 연계하여 사용할 수 있다는 점에서 장점을 가진다</a:t>
+            </a:r>
+            <a:r>
+              <a:rPr lang="en-US" altLang="ko-KR" dirty="0"/>
+              <a:t>. </a:t>
+            </a:r>
+            <a:endParaRPr lang="ko-KR" altLang="en-US" dirty="0"/>
+          </a:p>
+        </p:txBody>
+      </p:sp>
+      <p:sp>
+        <p:nvSpPr>
+          <p:cNvPr id="4" name="슬라이드 번호 개체 틀 3"/>
+          <p:cNvSpPr>
+            <a:spLocks noGrp="1"/>
+          </p:cNvSpPr>
+          <p:nvPr>
+            <p:ph type="sldNum" sz="quarter" idx="5"/>
+          </p:nvPr>
+        </p:nvSpPr>
+        <p:spPr/>
+        <p:txBody>
+          <a:bodyPr/>
+          <a:lstStyle/>
+          <a:p>
+            <a:fld id="{DBCD6B1E-B667-4EA5-A6E9-59B9296CD869}" type="slidenum">
+              <a:rPr lang="ko-KR" altLang="en-US" smtClean="0"/>
+              <a:t>7</a:t>
+            </a:fld>
+            <a:endParaRPr lang="ko-KR" altLang="en-US"/>
+          </a:p>
+        </p:txBody>
+      </p:sp>
+    </p:spTree>
+    <p:extLst>
+      <p:ext uri="{BB962C8B-B14F-4D97-AF65-F5344CB8AC3E}">
+        <p14:creationId xmlns:p14="http://schemas.microsoft.com/office/powerpoint/2010/main" val="3183418892"/>
+      </p:ext>
+    </p:extLst>
+  </p:cSld>
+  <p:clrMapOvr>
+    <a:masterClrMapping/>
+  </p:clrMapOvr>
+</p:notes>
+</file>
+
+<file path=ppt/notesSlides/notesSlide20.xml><?xml version="1.0" encoding="utf-8"?>
 <p:notes xmlns:a="http://schemas.openxmlformats.org/drawingml/2006/main" xmlns:r="http://schemas.openxmlformats.org/officeDocument/2006/relationships" xmlns:p="http://schemas.openxmlformats.org/presentationml/2006/main">
   <p:cSld>
     <p:spTree>
@@ -1483,7 +1651,7 @@
 </p:notes>
 </file>
 
-<file path=ppt/notesSlides/notesSlide2.xml><?xml version="1.0" encoding="utf-8"?>
+<file path=ppt/notesSlides/notesSlide3.xml><?xml version="1.0" encoding="utf-8"?>
 <p:notes xmlns:a="http://schemas.openxmlformats.org/drawingml/2006/main" xmlns:r="http://schemas.openxmlformats.org/officeDocument/2006/relationships" xmlns:p="http://schemas.openxmlformats.org/presentationml/2006/main">
   <p:cSld>
     <p:spTree>
@@ -1567,7 +1735,7 @@
 </p:notes>
 </file>
 
-<file path=ppt/notesSlides/notesSlide3.xml><?xml version="1.0" encoding="utf-8"?>
+<file path=ppt/notesSlides/notesSlide4.xml><?xml version="1.0" encoding="utf-8"?>
 <p:notes xmlns:a="http://schemas.openxmlformats.org/drawingml/2006/main" xmlns:r="http://schemas.openxmlformats.org/officeDocument/2006/relationships" xmlns:p="http://schemas.openxmlformats.org/presentationml/2006/main">
   <p:cSld>
     <p:spTree>
@@ -1651,7 +1819,7 @@
 </p:notes>
 </file>
 
-<file path=ppt/notesSlides/notesSlide4.xml><?xml version="1.0" encoding="utf-8"?>
+<file path=ppt/notesSlides/notesSlide5.xml><?xml version="1.0" encoding="utf-8"?>
 <p:notes xmlns:a="http://schemas.openxmlformats.org/drawingml/2006/main" xmlns:r="http://schemas.openxmlformats.org/officeDocument/2006/relationships" xmlns:p="http://schemas.openxmlformats.org/presentationml/2006/main">
   <p:cSld>
     <p:spTree>
@@ -1735,7 +1903,7 @@
 </p:notes>
 </file>
 
-<file path=ppt/notesSlides/notesSlide5.xml><?xml version="1.0" encoding="utf-8"?>
+<file path=ppt/notesSlides/notesSlide6.xml><?xml version="1.0" encoding="utf-8"?>
 <p:notes xmlns:a="http://schemas.openxmlformats.org/drawingml/2006/main" xmlns:r="http://schemas.openxmlformats.org/officeDocument/2006/relationships" xmlns:p="http://schemas.openxmlformats.org/presentationml/2006/main">
   <p:cSld>
     <p:spTree>
@@ -1819,7 +1987,7 @@
 </p:notes>
 </file>
 
-<file path=ppt/notesSlides/notesSlide6.xml><?xml version="1.0" encoding="utf-8"?>
+<file path=ppt/notesSlides/notesSlide7.xml><?xml version="1.0" encoding="utf-8"?>
 <p:notes xmlns:a="http://schemas.openxmlformats.org/drawingml/2006/main" xmlns:r="http://schemas.openxmlformats.org/officeDocument/2006/relationships" xmlns:p="http://schemas.openxmlformats.org/presentationml/2006/main">
   <p:cSld>
     <p:spTree>
@@ -1903,7 +2071,7 @@
 </p:notes>
 </file>
 
-<file path=ppt/notesSlides/notesSlide7.xml><?xml version="1.0" encoding="utf-8"?>
+<file path=ppt/notesSlides/notesSlide8.xml><?xml version="1.0" encoding="utf-8"?>
 <p:notes xmlns:a="http://schemas.openxmlformats.org/drawingml/2006/main" xmlns:r="http://schemas.openxmlformats.org/officeDocument/2006/relationships" xmlns:p="http://schemas.openxmlformats.org/presentationml/2006/main">
   <p:cSld>
     <p:spTree>
@@ -1987,7 +2155,7 @@
 </p:notes>
 </file>
 
-<file path=ppt/notesSlides/notesSlide8.xml><?xml version="1.0" encoding="utf-8"?>
+<file path=ppt/notesSlides/notesSlide9.xml><?xml version="1.0" encoding="utf-8"?>
 <p:notes xmlns:a="http://schemas.openxmlformats.org/drawingml/2006/main" xmlns:r="http://schemas.openxmlformats.org/officeDocument/2006/relationships" xmlns:p="http://schemas.openxmlformats.org/presentationml/2006/main">
   <p:cSld>
     <p:spTree>
@@ -2062,90 +2230,6 @@
     <p:extLst>
       <p:ext uri="{BB962C8B-B14F-4D97-AF65-F5344CB8AC3E}">
         <p14:creationId xmlns:p14="http://schemas.microsoft.com/office/powerpoint/2010/main" val="2876454285"/>
-      </p:ext>
-    </p:extLst>
-  </p:cSld>
-  <p:clrMapOvr>
-    <a:masterClrMapping/>
-  </p:clrMapOvr>
-</p:notes>
-</file>
-
-<file path=ppt/notesSlides/notesSlide9.xml><?xml version="1.0" encoding="utf-8"?>
-<p:notes xmlns:a="http://schemas.openxmlformats.org/drawingml/2006/main" xmlns:r="http://schemas.openxmlformats.org/officeDocument/2006/relationships" xmlns:p="http://schemas.openxmlformats.org/presentationml/2006/main">
-  <p:cSld>
-    <p:spTree>
-      <p:nvGrpSpPr>
-        <p:cNvPr id="1" name=""/>
-        <p:cNvGrpSpPr/>
-        <p:nvPr/>
-      </p:nvGrpSpPr>
-      <p:grpSpPr>
-        <a:xfrm>
-          <a:off x="0" y="0"/>
-          <a:ext cx="0" cy="0"/>
-          <a:chOff x="0" y="0"/>
-          <a:chExt cx="0" cy="0"/>
-        </a:xfrm>
-      </p:grpSpPr>
-      <p:sp>
-        <p:nvSpPr>
-          <p:cNvPr id="2" name="슬라이드 이미지 개체 틀 1"/>
-          <p:cNvSpPr>
-            <a:spLocks noGrp="1" noRot="1" noChangeAspect="1"/>
-          </p:cNvSpPr>
-          <p:nvPr>
-            <p:ph type="sldImg"/>
-          </p:nvPr>
-        </p:nvSpPr>
-        <p:spPr/>
-      </p:sp>
-      <p:sp>
-        <p:nvSpPr>
-          <p:cNvPr id="3" name="슬라이드 노트 개체 틀 2"/>
-          <p:cNvSpPr>
-            <a:spLocks noGrp="1"/>
-          </p:cNvSpPr>
-          <p:nvPr>
-            <p:ph type="body" idx="1"/>
-          </p:nvPr>
-        </p:nvSpPr>
-        <p:spPr/>
-        <p:txBody>
-          <a:bodyPr/>
-          <a:lstStyle/>
-          <a:p>
-            <a:endParaRPr lang="ko-KR" altLang="en-US" dirty="0"/>
-          </a:p>
-        </p:txBody>
-      </p:sp>
-      <p:sp>
-        <p:nvSpPr>
-          <p:cNvPr id="4" name="슬라이드 번호 개체 틀 3"/>
-          <p:cNvSpPr>
-            <a:spLocks noGrp="1"/>
-          </p:cNvSpPr>
-          <p:nvPr>
-            <p:ph type="sldNum" sz="quarter" idx="5"/>
-          </p:nvPr>
-        </p:nvSpPr>
-        <p:spPr/>
-        <p:txBody>
-          <a:bodyPr/>
-          <a:lstStyle/>
-          <a:p>
-            <a:fld id="{DBCD6B1E-B667-4EA5-A6E9-59B9296CD869}" type="slidenum">
-              <a:rPr lang="ko-KR" altLang="en-US" smtClean="0"/>
-              <a:t>19</a:t>
-            </a:fld>
-            <a:endParaRPr lang="ko-KR" altLang="en-US"/>
-          </a:p>
-        </p:txBody>
-      </p:sp>
-    </p:spTree>
-    <p:extLst>
-      <p:ext uri="{BB962C8B-B14F-4D97-AF65-F5344CB8AC3E}">
-        <p14:creationId xmlns:p14="http://schemas.microsoft.com/office/powerpoint/2010/main" val="498498019"/>
       </p:ext>
     </p:extLst>
   </p:cSld>
@@ -7380,8 +7464,8 @@
           <a:chExt cx="0" cy="0"/>
         </a:xfrm>
       </p:grpSpPr>
-      <mc:AlternateContent xmlns:mc="http://schemas.openxmlformats.org/markup-compatibility/2006">
-        <mc:Choice xmlns:a14="http://schemas.microsoft.com/office/drawing/2010/main" Requires="a14">
+      <mc:AlternateContent xmlns:mc="http://schemas.openxmlformats.org/markup-compatibility/2006" xmlns:a14="http://schemas.microsoft.com/office/drawing/2010/main">
+        <mc:Choice Requires="a14">
           <p:sp>
             <p:nvSpPr>
               <p:cNvPr id="10" name="TextBox 9">
@@ -7696,7 +7780,7 @@
             </p:txBody>
           </p:sp>
         </mc:Choice>
-        <mc:Fallback>
+        <mc:Fallback xmlns="">
           <p:sp>
             <p:nvSpPr>
               <p:cNvPr id="10" name="TextBox 9">
@@ -8456,8 +8540,8 @@
           <a:chExt cx="0" cy="0"/>
         </a:xfrm>
       </p:grpSpPr>
-      <mc:AlternateContent xmlns:mc="http://schemas.openxmlformats.org/markup-compatibility/2006">
-        <mc:Choice xmlns:a14="http://schemas.microsoft.com/office/drawing/2010/main" Requires="a14">
+      <mc:AlternateContent xmlns:mc="http://schemas.openxmlformats.org/markup-compatibility/2006" xmlns:a14="http://schemas.microsoft.com/office/drawing/2010/main">
+        <mc:Choice Requires="a14">
           <p:sp>
             <p:nvSpPr>
               <p:cNvPr id="16" name="TextBox 15">
@@ -8659,7 +8743,7 @@
             </p:txBody>
           </p:sp>
         </mc:Choice>
-        <mc:Fallback>
+        <mc:Fallback xmlns="">
           <p:sp>
             <p:nvSpPr>
               <p:cNvPr id="16" name="TextBox 15">
@@ -11920,8 +12004,8 @@
           <a:chExt cx="0" cy="0"/>
         </a:xfrm>
       </p:grpSpPr>
-      <mc:AlternateContent xmlns:mc="http://schemas.openxmlformats.org/markup-compatibility/2006">
-        <mc:Choice xmlns:a14="http://schemas.microsoft.com/office/drawing/2010/main" Requires="a14">
+      <mc:AlternateContent xmlns:mc="http://schemas.openxmlformats.org/markup-compatibility/2006" xmlns:a14="http://schemas.microsoft.com/office/drawing/2010/main">
+        <mc:Choice Requires="a14">
           <p:sp>
             <p:nvSpPr>
               <p:cNvPr id="10" name="TextBox 9">
@@ -12167,7 +12251,7 @@
             </p:txBody>
           </p:sp>
         </mc:Choice>
-        <mc:Fallback>
+        <mc:Fallback xmlns="">
           <p:sp>
             <p:nvSpPr>
               <p:cNvPr id="10" name="TextBox 9">
@@ -18029,8 +18113,8 @@
           </p:txBody>
         </p:sp>
       </p:grpSp>
-      <mc:AlternateContent xmlns:mc="http://schemas.openxmlformats.org/markup-compatibility/2006">
-        <mc:Choice xmlns:a14="http://schemas.microsoft.com/office/drawing/2010/main" Requires="a14">
+      <mc:AlternateContent xmlns:mc="http://schemas.openxmlformats.org/markup-compatibility/2006" xmlns:a14="http://schemas.microsoft.com/office/drawing/2010/main">
+        <mc:Choice Requires="a14">
           <p:sp>
             <p:nvSpPr>
               <p:cNvPr id="10" name="TextBox 9">
@@ -19236,7 +19320,7 @@
             </p:txBody>
           </p:sp>
         </mc:Choice>
-        <mc:Fallback>
+        <mc:Fallback xmlns="">
           <p:sp>
             <p:nvSpPr>
               <p:cNvPr id="10" name="TextBox 9">
@@ -20292,8 +20376,8 @@
           </a:prstGeom>
         </p:spPr>
       </p:pic>
-      <mc:AlternateContent xmlns:mc="http://schemas.openxmlformats.org/markup-compatibility/2006">
-        <mc:Choice xmlns:a14="http://schemas.microsoft.com/office/drawing/2010/main" Requires="a14">
+      <mc:AlternateContent xmlns:mc="http://schemas.openxmlformats.org/markup-compatibility/2006" xmlns:a14="http://schemas.microsoft.com/office/drawing/2010/main">
+        <mc:Choice Requires="a14">
           <p:sp>
             <p:nvSpPr>
               <p:cNvPr id="10" name="TextBox 9">
@@ -20751,7 +20835,7 @@
                     <m:f>
                       <m:fPr>
                         <m:ctrlPr>
-                          <a:rPr lang="en-US" altLang="ko-KR" sz="1600" b="0" i="0" smtClean="0">
+                          <a:rPr lang="en-US" altLang="ko-KR" sz="1600" b="0" i="1" smtClean="0">
                             <a:latin typeface="Cambria Math" panose="02040503050406030204" pitchFamily="18" charset="0"/>
                           </a:rPr>
                         </m:ctrlPr>
@@ -20872,7 +20956,7 @@
                             <m:nor/>
                           </m:rPr>
                           <a:rPr lang="en-US" altLang="ko-KR" sz="1600" dirty="0"/>
-                          <m:t>-2)</m:t>
+                          <m:t>−2)</m:t>
                         </m:r>
                         <m:r>
                           <m:rPr>
@@ -21216,7 +21300,7 @@
             </p:txBody>
           </p:sp>
         </mc:Choice>
-        <mc:Fallback>
+        <mc:Fallback xmlns="">
           <p:sp>
             <p:nvSpPr>
               <p:cNvPr id="10" name="TextBox 9">
@@ -21670,8 +21754,8 @@
           </a:prstGeom>
         </p:spPr>
       </p:pic>
-      <mc:AlternateContent xmlns:mc="http://schemas.openxmlformats.org/markup-compatibility/2006">
-        <mc:Choice xmlns:a14="http://schemas.microsoft.com/office/drawing/2010/main" Requires="a14">
+      <mc:AlternateContent xmlns:mc="http://schemas.openxmlformats.org/markup-compatibility/2006" xmlns:a14="http://schemas.microsoft.com/office/drawing/2010/main">
+        <mc:Choice Requires="a14">
           <p:sp>
             <p:nvSpPr>
               <p:cNvPr id="16" name="TextBox 15">
@@ -21993,7 +22077,7 @@
             </p:txBody>
           </p:sp>
         </mc:Choice>
-        <mc:Fallback>
+        <mc:Fallback xmlns="">
           <p:sp>
             <p:nvSpPr>
               <p:cNvPr id="16" name="TextBox 15">
@@ -22193,8 +22277,8 @@
           </a:p>
         </p:txBody>
       </p:sp>
-      <mc:AlternateContent xmlns:mc="http://schemas.openxmlformats.org/markup-compatibility/2006">
-        <mc:Choice xmlns:a14="http://schemas.microsoft.com/office/drawing/2010/main" Requires="a14">
+      <mc:AlternateContent xmlns:mc="http://schemas.openxmlformats.org/markup-compatibility/2006" xmlns:a14="http://schemas.microsoft.com/office/drawing/2010/main">
+        <mc:Choice Requires="a14">
           <p:sp>
             <p:nvSpPr>
               <p:cNvPr id="16" name="TextBox 15">
@@ -22579,7 +22663,7 @@
             </p:txBody>
           </p:sp>
         </mc:Choice>
-        <mc:Fallback>
+        <mc:Fallback xmlns="">
           <p:sp>
             <p:nvSpPr>
               <p:cNvPr id="16" name="TextBox 15">
@@ -23658,8 +23742,8 @@
           </a:p>
         </p:txBody>
       </p:sp>
-      <mc:AlternateContent xmlns:mc="http://schemas.openxmlformats.org/markup-compatibility/2006">
-        <mc:Choice xmlns:a14="http://schemas.microsoft.com/office/drawing/2010/main" Requires="a14">
+      <mc:AlternateContent xmlns:mc="http://schemas.openxmlformats.org/markup-compatibility/2006" xmlns:a14="http://schemas.microsoft.com/office/drawing/2010/main">
+        <mc:Choice Requires="a14">
           <p:sp>
             <p:nvSpPr>
               <p:cNvPr id="16" name="TextBox 15">
@@ -23980,7 +24064,7 @@
             </p:txBody>
           </p:sp>
         </mc:Choice>
-        <mc:Fallback>
+        <mc:Fallback xmlns="">
           <p:sp>
             <p:nvSpPr>
               <p:cNvPr id="16" name="TextBox 15">
@@ -25638,7 +25722,7 @@
         </p:nvGrpSpPr>
         <p:grpSpPr>
           <a:xfrm>
-            <a:off x="5770490" y="1920241"/>
+            <a:off x="4931780" y="2254549"/>
             <a:ext cx="2479769" cy="2315609"/>
             <a:chOff x="5770490" y="1920241"/>
             <a:chExt cx="2479769" cy="2315609"/>
@@ -48701,8 +48785,8 @@
         </p:nvSpPr>
         <p:spPr>
           <a:xfrm>
-            <a:off x="472692" y="1223829"/>
-            <a:ext cx="11719308" cy="5454122"/>
+            <a:off x="236346" y="1867826"/>
+            <a:ext cx="11719308" cy="4013727"/>
           </a:xfrm>
           <a:prstGeom prst="rect">
             <a:avLst/>
@@ -48785,12 +48869,8 @@
           </a:p>
           <a:p>
             <a:r>
-              <a:rPr lang="ko-KR" altLang="en-US" sz="1800" dirty="0"/>
-              <a:t>단</a:t>
-            </a:r>
-            <a:r>
               <a:rPr lang="en-US" altLang="ko-KR" sz="1800" dirty="0"/>
-              <a:t>, </a:t>
+              <a:t>1. </a:t>
             </a:r>
             <a:r>
               <a:rPr lang="ko-KR" altLang="en-US" sz="1800" dirty="0"/>
@@ -48819,30 +48899,8 @@
           </a:p>
           <a:p>
             <a:r>
-              <a:rPr lang="ko-KR" altLang="en-US" sz="1800" dirty="0"/>
-              <a:t>최근 딥러닝 모델을 학습함에 있어 </a:t>
-            </a:r>
-            <a:r>
               <a:rPr lang="en-US" altLang="ko-KR" sz="1800" dirty="0"/>
-              <a:t>Label Data </a:t>
-            </a:r>
-            <a:r>
-              <a:rPr lang="ko-KR" altLang="en-US" sz="1800" dirty="0"/>
-              <a:t>각각은 거의 영향을 미치지 못한다</a:t>
-            </a:r>
-            <a:r>
-              <a:rPr lang="en-US" altLang="ko-KR" sz="1800" dirty="0"/>
-              <a:t>. </a:t>
-            </a:r>
-          </a:p>
-          <a:p>
-            <a:r>
-              <a:rPr lang="ko-KR" altLang="en-US" sz="1800" dirty="0"/>
-              <a:t>특히 </a:t>
-            </a:r>
-            <a:r>
-              <a:rPr lang="en-US" altLang="ko-KR" sz="1800" dirty="0"/>
-              <a:t>Label Data</a:t>
+              <a:t>2. Label Data</a:t>
             </a:r>
             <a:r>
               <a:rPr lang="ko-KR" altLang="en-US" sz="1800" dirty="0"/>
@@ -48866,8 +48924,20 @@
           </a:p>
           <a:p>
             <a:r>
+              <a:rPr lang="en-US" altLang="ko-KR" sz="1800" dirty="0"/>
+              <a:t>1</a:t>
+            </a:r>
+            <a:r>
               <a:rPr lang="ko-KR" altLang="en-US" sz="1800" dirty="0"/>
-              <a:t>이를 해소하고자 데이터 셋 </a:t>
+              <a:t>을 해소하는 방법 중 하나로</a:t>
+            </a:r>
+            <a:r>
+              <a:rPr lang="en-US" altLang="ko-KR" sz="1800" dirty="0"/>
+              <a:t>, </a:t>
+            </a:r>
+            <a:r>
+              <a:rPr lang="ko-KR" altLang="en-US" sz="1800" dirty="0"/>
+              <a:t>데이터 셋 </a:t>
             </a:r>
             <a:r>
               <a:rPr lang="en-US" altLang="ko-KR" sz="1800" dirty="0"/>
@@ -48940,77 +49010,6 @@
             <a:r>
               <a:rPr lang="ko-KR" altLang="en-US" sz="1800" dirty="0"/>
               <a:t>데이터에 대한 클래스 예측 결과를 재활용하기에 모델의 오차는 확장될 수 있다</a:t>
-            </a:r>
-            <a:r>
-              <a:rPr lang="en-US" altLang="ko-KR" sz="1800" dirty="0"/>
-              <a:t>. </a:t>
-            </a:r>
-          </a:p>
-          <a:p>
-            <a:endParaRPr lang="en-US" altLang="ko-KR" sz="1800" dirty="0"/>
-          </a:p>
-          <a:p>
-            <a:r>
-              <a:rPr lang="ko-KR" altLang="en-US" sz="1800" dirty="0"/>
-              <a:t>더불어 </a:t>
-            </a:r>
-            <a:r>
-              <a:rPr lang="en-US" altLang="ko-KR" sz="1800" dirty="0"/>
-              <a:t>Label Data</a:t>
-            </a:r>
-            <a:r>
-              <a:rPr lang="ko-KR" altLang="en-US" sz="1800" dirty="0"/>
-              <a:t>의 클래스 다양성은 이미 </a:t>
-            </a:r>
-            <a:r>
-              <a:rPr lang="en-US" altLang="ko-KR" sz="1800" dirty="0"/>
-              <a:t>Label</a:t>
-            </a:r>
-            <a:r>
-              <a:rPr lang="ko-KR" altLang="en-US" sz="1800" dirty="0"/>
-              <a:t> </a:t>
-            </a:r>
-            <a:r>
-              <a:rPr lang="en-US" altLang="ko-KR" sz="1800" dirty="0"/>
-              <a:t>Data</a:t>
-            </a:r>
-            <a:r>
-              <a:rPr lang="ko-KR" altLang="en-US" sz="1800" dirty="0"/>
-              <a:t>가 정해진 시점에서는 바꿀 방법이 없다</a:t>
-            </a:r>
-            <a:r>
-              <a:rPr lang="en-US" altLang="ko-KR" sz="1800" dirty="0"/>
-              <a:t>. </a:t>
-            </a:r>
-          </a:p>
-          <a:p>
-            <a:r>
-              <a:rPr lang="ko-KR" altLang="en-US" sz="1800" dirty="0"/>
-              <a:t>따라서 </a:t>
-            </a:r>
-            <a:r>
-              <a:rPr lang="en-US" altLang="ko-KR" sz="1800" dirty="0"/>
-              <a:t>Label</a:t>
-            </a:r>
-            <a:r>
-              <a:rPr lang="ko-KR" altLang="en-US" sz="1800" dirty="0"/>
-              <a:t> </a:t>
-            </a:r>
-            <a:r>
-              <a:rPr lang="en-US" altLang="ko-KR" sz="1800" dirty="0"/>
-              <a:t>Data</a:t>
-            </a:r>
-            <a:r>
-              <a:rPr lang="ko-KR" altLang="en-US" sz="1800" dirty="0"/>
-              <a:t>를 선별하는 과정에서 데이터셋의 </a:t>
-            </a:r>
-            <a:r>
-              <a:rPr lang="en-US" altLang="ko-KR" sz="1800" dirty="0"/>
-              <a:t>Diversity</a:t>
-            </a:r>
-            <a:r>
-              <a:rPr lang="ko-KR" altLang="en-US" sz="1800" dirty="0"/>
-              <a:t>를 고려할 필요가 있다</a:t>
             </a:r>
             <a:r>
               <a:rPr lang="en-US" altLang="ko-KR" sz="1800" dirty="0"/>

--- a/Pseudo labeling with Coreset 초안.pptx
+++ b/Pseudo labeling with Coreset 초안.pptx
@@ -246,7 +246,7 @@
           <a:p>
             <a:fld id="{6BE1C6E6-C9EF-4AEA-9A59-A9694720BB3A}" type="datetimeFigureOut">
               <a:rPr lang="ko-KR" altLang="en-US" smtClean="0"/>
-              <a:t>2022-11-15</a:t>
+              <a:t>2022-11-17</a:t>
             </a:fld>
             <a:endParaRPr lang="ko-KR" altLang="en-US"/>
           </a:p>

--- a/Pseudo labeling with Coreset 초안.pptx
+++ b/Pseudo labeling with Coreset 초안.pptx
@@ -246,7 +246,7 @@
           <a:p>
             <a:fld id="{6BE1C6E6-C9EF-4AEA-9A59-A9694720BB3A}" type="datetimeFigureOut">
               <a:rPr lang="ko-KR" altLang="en-US" smtClean="0"/>
-              <a:t>2022-11-17</a:t>
+              <a:t>2022-11-26</a:t>
             </a:fld>
             <a:endParaRPr lang="ko-KR" altLang="en-US"/>
           </a:p>
